--- a/Dokumente/Zwischenpräsentation Implementierung/Implementierung_Zwischenpraesentation.pptx
+++ b/Dokumente/Zwischenpräsentation Implementierung/Implementierung_Zwischenpraesentation.pptx
@@ -5,19 +5,21 @@
     <p:sldMasterId id="2147483660" r:id="rId1"/>
   </p:sldMasterIdLst>
   <p:notesMasterIdLst>
-    <p:notesMasterId r:id="rId9"/>
+    <p:notesMasterId r:id="rId11"/>
   </p:notesMasterIdLst>
   <p:handoutMasterIdLst>
-    <p:handoutMasterId r:id="rId10"/>
+    <p:handoutMasterId r:id="rId12"/>
   </p:handoutMasterIdLst>
   <p:sldIdLst>
     <p:sldId id="257" r:id="rId2"/>
     <p:sldId id="259" r:id="rId3"/>
     <p:sldId id="278" r:id="rId4"/>
     <p:sldId id="260" r:id="rId5"/>
-    <p:sldId id="276" r:id="rId6"/>
-    <p:sldId id="277" r:id="rId7"/>
-    <p:sldId id="275" r:id="rId8"/>
+    <p:sldId id="279" r:id="rId6"/>
+    <p:sldId id="281" r:id="rId7"/>
+    <p:sldId id="276" r:id="rId8"/>
+    <p:sldId id="277" r:id="rId9"/>
+    <p:sldId id="275" r:id="rId10"/>
   </p:sldIdLst>
   <p:sldSz cx="9144000" cy="6858000" type="screen4x3"/>
   <p:notesSz cx="7102475" cy="10234613"/>
@@ -6551,16 +6553,19 @@
               <a:rPr lang="de-DE" dirty="0"/>
               <a:t>Programmstruktur</a:t>
             </a:r>
+            <a:br>
+              <a:rPr lang="de-DE" dirty="0"/>
+            </a:br>
             <a:endParaRPr lang="de-AT" dirty="0"/>
           </a:p>
         </p:txBody>
       </p:sp>
       <p:sp>
         <p:nvSpPr>
-          <p:cNvPr id="3" name="Bildplatzhalter 2">
+          <p:cNvPr id="10" name="Bildplatzhalter 9">
             <a:extLst>
               <a:ext uri="{FF2B5EF4-FFF2-40B4-BE49-F238E27FC236}">
-                <a16:creationId xmlns:a16="http://schemas.microsoft.com/office/drawing/2014/main" id="{CEB3117C-F05A-44AC-A858-402BE5019B39}"/>
+                <a16:creationId xmlns:a16="http://schemas.microsoft.com/office/drawing/2014/main" id="{F91425B7-19E2-42C2-A12B-4134AD1C2353}"/>
               </a:ext>
             </a:extLst>
           </p:cNvPr>
@@ -6575,10 +6580,10 @@
       </p:sp>
       <p:sp>
         <p:nvSpPr>
-          <p:cNvPr id="4" name="Textplatzhalter 3">
+          <p:cNvPr id="11" name="Textplatzhalter 10">
             <a:extLst>
               <a:ext uri="{FF2B5EF4-FFF2-40B4-BE49-F238E27FC236}">
-                <a16:creationId xmlns:a16="http://schemas.microsoft.com/office/drawing/2014/main" id="{1A811763-6801-40BE-A01F-8A5B36F4724F}"/>
+                <a16:creationId xmlns:a16="http://schemas.microsoft.com/office/drawing/2014/main" id="{214F705A-A7FF-4747-AEB2-BE4BC9C22E22}"/>
               </a:ext>
             </a:extLst>
           </p:cNvPr>
@@ -6628,31 +6633,59 @@
           </a:p>
         </p:txBody>
       </p:sp>
+      <p:sp>
+        <p:nvSpPr>
+          <p:cNvPr id="13" name="Inhaltsplatzhalter 12">
+            <a:extLst>
+              <a:ext uri="{FF2B5EF4-FFF2-40B4-BE49-F238E27FC236}">
+                <a16:creationId xmlns:a16="http://schemas.microsoft.com/office/drawing/2014/main" id="{9172DCFF-7CB7-4563-95FC-B7F4E6659531}"/>
+              </a:ext>
+            </a:extLst>
+          </p:cNvPr>
+          <p:cNvSpPr>
+            <a:spLocks noGrp="1"/>
+          </p:cNvSpPr>
+          <p:nvPr>
+            <p:ph idx="1"/>
+          </p:nvPr>
+        </p:nvSpPr>
+        <p:spPr/>
+        <p:txBody>
+          <a:bodyPr/>
+          <a:lstStyle/>
+          <a:p>
+            <a:r>
+              <a:rPr lang="de-DE" dirty="0"/>
+              <a:t>Umsetzung der System Planung im Programm</a:t>
+            </a:r>
+            <a:endParaRPr lang="de-AT" dirty="0"/>
+          </a:p>
+        </p:txBody>
+      </p:sp>
       <p:pic>
         <p:nvPicPr>
-          <p:cNvPr id="8" name="Inhaltsplatzhalter 1">
+          <p:cNvPr id="14" name="Grafik 13">
             <a:extLst>
               <a:ext uri="{FF2B5EF4-FFF2-40B4-BE49-F238E27FC236}">
-                <a16:creationId xmlns:a16="http://schemas.microsoft.com/office/drawing/2014/main" id="{6D491BF6-4472-450F-87D0-B88477265C70}"/>
+                <a16:creationId xmlns:a16="http://schemas.microsoft.com/office/drawing/2014/main" id="{C576882C-F594-49C7-B5B3-0B377295C567}"/>
               </a:ext>
             </a:extLst>
           </p:cNvPr>
           <p:cNvPicPr>
-            <a:picLocks noGrp="1" noChangeAspect="1"/>
+            <a:picLocks noChangeAspect="1"/>
           </p:cNvPicPr>
-          <p:nvPr>
-            <p:ph idx="1"/>
-          </p:nvPr>
+          <p:nvPr/>
         </p:nvPicPr>
-        <p:blipFill rotWithShape="1">
+        <p:blipFill>
           <a:blip r:embed="rId2"/>
-          <a:srcRect b="2522"/>
-          <a:stretch/>
+          <a:stretch>
+            <a:fillRect/>
+          </a:stretch>
         </p:blipFill>
         <p:spPr>
           <a:xfrm>
-            <a:off x="1817124" y="1473317"/>
-            <a:ext cx="6037082" cy="3911365"/>
+            <a:off x="1953699" y="2299526"/>
+            <a:ext cx="5236601" cy="3477588"/>
           </a:xfrm>
           <a:prstGeom prst="rect">
             <a:avLst/>
@@ -6748,21 +6781,48 @@
           </a:p>
         </p:txBody>
       </p:sp>
+      <p:sp>
+        <p:nvSpPr>
+          <p:cNvPr id="4" name="Inhaltsplatzhalter 3">
+            <a:extLst>
+              <a:ext uri="{FF2B5EF4-FFF2-40B4-BE49-F238E27FC236}">
+                <a16:creationId xmlns:a16="http://schemas.microsoft.com/office/drawing/2014/main" id="{8779BD5F-7B74-48CD-B679-2ABFA3DE6CB2}"/>
+              </a:ext>
+            </a:extLst>
+          </p:cNvPr>
+          <p:cNvSpPr>
+            <a:spLocks noGrp="1"/>
+          </p:cNvSpPr>
+          <p:nvPr>
+            <p:ph idx="1"/>
+          </p:nvPr>
+        </p:nvSpPr>
+        <p:spPr/>
+        <p:txBody>
+          <a:bodyPr/>
+          <a:lstStyle/>
+          <a:p>
+            <a:r>
+              <a:rPr lang="de-DE" dirty="0"/>
+              <a:t>Der CBR Programmteil besteht aus folgenden Klassen</a:t>
+            </a:r>
+            <a:endParaRPr lang="de-AT" dirty="0"/>
+          </a:p>
+        </p:txBody>
+      </p:sp>
       <p:pic>
         <p:nvPicPr>
-          <p:cNvPr id="3" name="Inhaltsplatzhalter 2">
+          <p:cNvPr id="5" name="Grafik 4">
             <a:extLst>
               <a:ext uri="{FF2B5EF4-FFF2-40B4-BE49-F238E27FC236}">
-                <a16:creationId xmlns:a16="http://schemas.microsoft.com/office/drawing/2014/main" id="{BA2E5B3D-97D6-4795-8939-06D0005A39EE}"/>
+                <a16:creationId xmlns:a16="http://schemas.microsoft.com/office/drawing/2014/main" id="{5DC1C767-27B4-44C4-A695-BB7988DDAA32}"/>
               </a:ext>
             </a:extLst>
           </p:cNvPr>
           <p:cNvPicPr>
-            <a:picLocks noGrp="1" noChangeAspect="1"/>
+            <a:picLocks noChangeAspect="1"/>
           </p:cNvPicPr>
-          <p:nvPr>
-            <p:ph idx="1"/>
-          </p:nvPr>
+          <p:nvPr/>
         </p:nvPicPr>
         <p:blipFill>
           <a:blip r:embed="rId2"/>
@@ -6772,8 +6832,8 @@
         </p:blipFill>
         <p:spPr>
           <a:xfrm>
-            <a:off x="883388" y="1590396"/>
-            <a:ext cx="7270061" cy="3054175"/>
+            <a:off x="935421" y="2465787"/>
+            <a:ext cx="7273158" cy="3054361"/>
           </a:xfrm>
           <a:prstGeom prst="rect">
             <a:avLst/>
@@ -6815,7 +6875,7 @@
           <p:cNvPr id="2" name="Titel 1">
             <a:extLst>
               <a:ext uri="{FF2B5EF4-FFF2-40B4-BE49-F238E27FC236}">
-                <a16:creationId xmlns:a16="http://schemas.microsoft.com/office/drawing/2014/main" id="{6D8209DD-75D3-4862-8B98-E641FAC9746F}"/>
+                <a16:creationId xmlns:a16="http://schemas.microsoft.com/office/drawing/2014/main" id="{8856E87C-981A-483C-A11F-1EC190B65DB2}"/>
               </a:ext>
             </a:extLst>
           </p:cNvPr>
@@ -6833,7 +6893,7 @@
           <a:p>
             <a:r>
               <a:rPr lang="de-DE" dirty="0"/>
-              <a:t>RMI</a:t>
+              <a:t>Implementierung CBR</a:t>
             </a:r>
             <a:endParaRPr lang="de-AT" dirty="0"/>
           </a:p>
@@ -6844,7 +6904,7 @@
           <p:cNvPr id="3" name="Bildplatzhalter 2">
             <a:extLst>
               <a:ext uri="{FF2B5EF4-FFF2-40B4-BE49-F238E27FC236}">
-                <a16:creationId xmlns:a16="http://schemas.microsoft.com/office/drawing/2014/main" id="{5AF217E7-FEC3-40BC-B206-9F338FCDAC6D}"/>
+                <a16:creationId xmlns:a16="http://schemas.microsoft.com/office/drawing/2014/main" id="{15B7AF8B-8F3A-438F-A32A-1B4FE52EC702}"/>
               </a:ext>
             </a:extLst>
           </p:cNvPr>
@@ -6862,7 +6922,7 @@
           <p:cNvPr id="4" name="Textplatzhalter 3">
             <a:extLst>
               <a:ext uri="{FF2B5EF4-FFF2-40B4-BE49-F238E27FC236}">
-                <a16:creationId xmlns:a16="http://schemas.microsoft.com/office/drawing/2014/main" id="{57A05E70-D279-4E69-B758-2EFFE98C4B41}"/>
+                <a16:creationId xmlns:a16="http://schemas.microsoft.com/office/drawing/2014/main" id="{40B10E02-E68C-404B-BD71-4B225EBDE4D3}"/>
               </a:ext>
             </a:extLst>
           </p:cNvPr>
@@ -6884,10 +6944,39 @@
       </p:sp>
       <p:sp>
         <p:nvSpPr>
+          <p:cNvPr id="5" name="Fußzeilenplatzhalter 4">
+            <a:extLst>
+              <a:ext uri="{FF2B5EF4-FFF2-40B4-BE49-F238E27FC236}">
+                <a16:creationId xmlns:a16="http://schemas.microsoft.com/office/drawing/2014/main" id="{DDC013C7-F081-468D-B132-F725A2114B8C}"/>
+              </a:ext>
+            </a:extLst>
+          </p:cNvPr>
+          <p:cNvSpPr>
+            <a:spLocks noGrp="1"/>
+          </p:cNvSpPr>
+          <p:nvPr>
+            <p:ph type="ftr" sz="quarter" idx="27"/>
+          </p:nvPr>
+        </p:nvSpPr>
+        <p:spPr/>
+        <p:txBody>
+          <a:bodyPr/>
+          <a:lstStyle/>
+          <a:p>
+            <a:r>
+              <a:rPr lang="de-AT" noProof="0"/>
+              <a:t>Platz für Autor und LVA-Nummer</a:t>
+            </a:r>
+            <a:endParaRPr lang="de-AT" noProof="0" dirty="0"/>
+          </a:p>
+        </p:txBody>
+      </p:sp>
+      <p:sp>
+        <p:nvSpPr>
           <p:cNvPr id="6" name="Foliennummernplatzhalter 5">
             <a:extLst>
               <a:ext uri="{FF2B5EF4-FFF2-40B4-BE49-F238E27FC236}">
-                <a16:creationId xmlns:a16="http://schemas.microsoft.com/office/drawing/2014/main" id="{34E3AE14-4B30-4336-A3CF-9EC255CECF7B}"/>
+                <a16:creationId xmlns:a16="http://schemas.microsoft.com/office/drawing/2014/main" id="{AED3C8E8-0787-4FD4-8DFB-7AFF59647855}"/>
               </a:ext>
             </a:extLst>
           </p:cNvPr>
@@ -6912,31 +7001,94 @@
           </a:p>
         </p:txBody>
       </p:sp>
+      <p:sp>
+        <p:nvSpPr>
+          <p:cNvPr id="13" name="Inhaltsplatzhalter 12">
+            <a:extLst>
+              <a:ext uri="{FF2B5EF4-FFF2-40B4-BE49-F238E27FC236}">
+                <a16:creationId xmlns:a16="http://schemas.microsoft.com/office/drawing/2014/main" id="{D8B45FAF-348C-4A86-BD8F-FF3A024FE2AD}"/>
+              </a:ext>
+            </a:extLst>
+          </p:cNvPr>
+          <p:cNvSpPr>
+            <a:spLocks noGrp="1"/>
+          </p:cNvSpPr>
+          <p:nvPr>
+            <p:ph idx="1"/>
+          </p:nvPr>
+        </p:nvSpPr>
+        <p:spPr>
+          <a:xfrm>
+            <a:off x="548268" y="1777395"/>
+            <a:ext cx="7925378" cy="4150016"/>
+          </a:xfrm>
+        </p:spPr>
+        <p:txBody>
+          <a:bodyPr/>
+          <a:lstStyle/>
+          <a:p>
+            <a:r>
+              <a:rPr lang="de-DE" dirty="0"/>
+              <a:t>Aufteilung Code Generierung auf die Methoden</a:t>
+            </a:r>
+            <a:endParaRPr lang="de-AT" dirty="0"/>
+          </a:p>
+        </p:txBody>
+      </p:sp>
       <p:pic>
         <p:nvPicPr>
-          <p:cNvPr id="8" name="Inhaltsplatzhalter 7">
+          <p:cNvPr id="14" name="Inhaltsplatzhalter 10">
             <a:extLst>
               <a:ext uri="{FF2B5EF4-FFF2-40B4-BE49-F238E27FC236}">
-                <a16:creationId xmlns:a16="http://schemas.microsoft.com/office/drawing/2014/main" id="{D331A8B1-3279-4B17-AC62-521E86B3D82B}"/>
+                <a16:creationId xmlns:a16="http://schemas.microsoft.com/office/drawing/2014/main" id="{34B19E96-974B-47E3-B8CE-8DE3670957E3}"/>
               </a:ext>
             </a:extLst>
           </p:cNvPr>
           <p:cNvPicPr>
-            <a:picLocks noGrp="1" noChangeAspect="1"/>
+            <a:picLocks noChangeAspect="1"/>
           </p:cNvPicPr>
-          <p:nvPr>
-            <p:ph idx="1"/>
-          </p:nvPr>
+          <p:nvPr/>
         </p:nvPicPr>
-        <p:blipFill rotWithShape="1">
+        <p:blipFill>
           <a:blip r:embed="rId2"/>
-          <a:srcRect b="4195"/>
-          <a:stretch/>
+          <a:stretch>
+            <a:fillRect/>
+          </a:stretch>
         </p:blipFill>
         <p:spPr>
           <a:xfrm>
-            <a:off x="1549400" y="1590396"/>
-            <a:ext cx="6345044" cy="2902160"/>
+            <a:off x="657538" y="3049127"/>
+            <a:ext cx="7938194" cy="3028581"/>
+          </a:xfrm>
+          <a:prstGeom prst="rect">
+            <a:avLst/>
+          </a:prstGeom>
+        </p:spPr>
+      </p:pic>
+      <p:pic>
+        <p:nvPicPr>
+          <p:cNvPr id="15" name="Grafik 14">
+            <a:extLst>
+              <a:ext uri="{FF2B5EF4-FFF2-40B4-BE49-F238E27FC236}">
+                <a16:creationId xmlns:a16="http://schemas.microsoft.com/office/drawing/2014/main" id="{0B409A2F-CF67-49D2-8BDD-AFB751AF963A}"/>
+              </a:ext>
+            </a:extLst>
+          </p:cNvPr>
+          <p:cNvPicPr>
+            <a:picLocks noChangeAspect="1"/>
+          </p:cNvPicPr>
+          <p:nvPr/>
+        </p:nvPicPr>
+        <p:blipFill>
+          <a:blip r:embed="rId3"/>
+          <a:stretch>
+            <a:fillRect/>
+          </a:stretch>
+        </p:blipFill>
+        <p:spPr>
+          <a:xfrm>
+            <a:off x="541814" y="2451147"/>
+            <a:ext cx="5587052" cy="346868"/>
           </a:xfrm>
           <a:prstGeom prst="rect">
             <a:avLst/>
@@ -6946,7 +7098,7 @@
     </p:spTree>
     <p:extLst>
       <p:ext uri="{BB962C8B-B14F-4D97-AF65-F5344CB8AC3E}">
-        <p14:creationId xmlns:p14="http://schemas.microsoft.com/office/powerpoint/2010/main" val="794540660"/>
+        <p14:creationId xmlns:p14="http://schemas.microsoft.com/office/powerpoint/2010/main" val="1428410726"/>
       </p:ext>
     </p:extLst>
   </p:cSld>
@@ -6978,7 +7130,7 @@
           <p:cNvPr id="2" name="Titel 1">
             <a:extLst>
               <a:ext uri="{FF2B5EF4-FFF2-40B4-BE49-F238E27FC236}">
-                <a16:creationId xmlns:a16="http://schemas.microsoft.com/office/drawing/2014/main" id="{AC5402D8-3BC1-4E3A-9E64-D5655B0C22DD}"/>
+                <a16:creationId xmlns:a16="http://schemas.microsoft.com/office/drawing/2014/main" id="{C408E858-90C9-482B-866E-4D52E9D702A8}"/>
               </a:ext>
             </a:extLst>
           </p:cNvPr>
@@ -6995,8 +7147,15 @@
           <a:lstStyle/>
           <a:p>
             <a:r>
-              <a:rPr lang="de-DE" dirty="0" err="1"/>
-              <a:t>DatenSpeicherung</a:t>
+              <a:rPr lang="de-DE" dirty="0"/>
+              <a:t>Abweichung </a:t>
+            </a:r>
+            <a:br>
+              <a:rPr lang="de-DE" dirty="0"/>
+            </a:br>
+            <a:r>
+              <a:rPr lang="de-DE" dirty="0"/>
+              <a:t>Konzeptueller Entwurf</a:t>
             </a:r>
             <a:endParaRPr lang="de-AT" dirty="0"/>
           </a:p>
@@ -7007,7 +7166,7 @@
           <p:cNvPr id="3" name="Bildplatzhalter 2">
             <a:extLst>
               <a:ext uri="{FF2B5EF4-FFF2-40B4-BE49-F238E27FC236}">
-                <a16:creationId xmlns:a16="http://schemas.microsoft.com/office/drawing/2014/main" id="{2915CB59-6261-450E-B5A8-3689B1F96F08}"/>
+                <a16:creationId xmlns:a16="http://schemas.microsoft.com/office/drawing/2014/main" id="{DC0A4BA1-5F0B-407C-9B7F-12803AFE9F90}"/>
               </a:ext>
             </a:extLst>
           </p:cNvPr>
@@ -7022,10 +7181,10 @@
       </p:sp>
       <p:sp>
         <p:nvSpPr>
-          <p:cNvPr id="4" name="Textplatzhalter 3">
+          <p:cNvPr id="5" name="Foliennummernplatzhalter 4">
             <a:extLst>
               <a:ext uri="{FF2B5EF4-FFF2-40B4-BE49-F238E27FC236}">
-                <a16:creationId xmlns:a16="http://schemas.microsoft.com/office/drawing/2014/main" id="{D59DD067-582D-4B7D-B58B-FCE60731AC2A}"/>
+                <a16:creationId xmlns:a16="http://schemas.microsoft.com/office/drawing/2014/main" id="{97ADD5B5-AAAF-4A17-80AD-C6CECB84D8C1}"/>
               </a:ext>
             </a:extLst>
           </p:cNvPr>
@@ -7033,7 +7192,7 @@
             <a:spLocks noGrp="1"/>
           </p:cNvSpPr>
           <p:nvPr>
-            <p:ph type="body" sz="quarter" idx="25"/>
+            <p:ph type="sldNum" sz="quarter" idx="16"/>
           </p:nvPr>
         </p:nvSpPr>
         <p:spPr/>
@@ -7041,37 +7200,86 @@
           <a:bodyPr/>
           <a:lstStyle/>
           <a:p>
-            <a:endParaRPr lang="de-AT"/>
-          </a:p>
-        </p:txBody>
-      </p:sp>
-      <p:sp>
-        <p:nvSpPr>
-          <p:cNvPr id="6" name="Foliennummernplatzhalter 5">
-            <a:extLst>
-              <a:ext uri="{FF2B5EF4-FFF2-40B4-BE49-F238E27FC236}">
-                <a16:creationId xmlns:a16="http://schemas.microsoft.com/office/drawing/2014/main" id="{F9487AD0-929E-4E73-AE2A-F73A938496AD}"/>
-              </a:ext>
-            </a:extLst>
-          </p:cNvPr>
-          <p:cNvSpPr>
-            <a:spLocks noGrp="1"/>
-          </p:cNvSpPr>
-          <p:nvPr>
-            <p:ph type="sldNum" sz="quarter" idx="28"/>
-          </p:nvPr>
-        </p:nvSpPr>
-        <p:spPr/>
-        <p:txBody>
-          <a:bodyPr/>
-          <a:lstStyle/>
-          <a:p>
-            <a:fld id="{DFB297D7-21D1-0549-A74D-BD032133048A}" type="slidenum">
+            <a:fld id="{68F3185B-C653-42AE-8B74-FF214C291574}" type="slidenum">
               <a:rPr lang="en-US" smtClean="0"/>
               <a:pPr/>
               <a:t>6</a:t>
             </a:fld>
-            <a:endParaRPr lang="en-US" dirty="0"/>
+            <a:endParaRPr lang="en-US"/>
+          </a:p>
+        </p:txBody>
+      </p:sp>
+      <p:sp>
+        <p:nvSpPr>
+          <p:cNvPr id="6" name="Inhaltsplatzhalter 5">
+            <a:extLst>
+              <a:ext uri="{FF2B5EF4-FFF2-40B4-BE49-F238E27FC236}">
+                <a16:creationId xmlns:a16="http://schemas.microsoft.com/office/drawing/2014/main" id="{4579E280-F9BF-493F-82F1-3160CE6B3F31}"/>
+              </a:ext>
+            </a:extLst>
+          </p:cNvPr>
+          <p:cNvSpPr>
+            <a:spLocks noGrp="1"/>
+          </p:cNvSpPr>
+          <p:nvPr>
+            <p:ph idx="1"/>
+          </p:nvPr>
+        </p:nvSpPr>
+        <p:spPr/>
+        <p:txBody>
+          <a:bodyPr/>
+          <a:lstStyle/>
+          <a:p>
+            <a:r>
+              <a:rPr lang="de-DE" dirty="0"/>
+              <a:t>Konzeptueller Entwurf</a:t>
+            </a:r>
+          </a:p>
+          <a:p>
+            <a:pPr lvl="1"/>
+            <a:endParaRPr lang="de-DE" dirty="0"/>
+          </a:p>
+          <a:p>
+            <a:pPr lvl="1"/>
+            <a:r>
+              <a:rPr lang="de-DE" dirty="0"/>
+              <a:t>Eingabeparameter</a:t>
+            </a:r>
+          </a:p>
+          <a:p>
+            <a:pPr lvl="2"/>
+            <a:r>
+              <a:rPr lang="de-AT" dirty="0"/>
+              <a:t>Parameter: (Integer)</a:t>
+            </a:r>
+          </a:p>
+          <a:p>
+            <a:pPr lvl="2"/>
+            <a:r>
+              <a:rPr lang="de-AT" dirty="0"/>
+              <a:t>Parameter Values: (Integer) </a:t>
+            </a:r>
+          </a:p>
+          <a:p>
+            <a:pPr lvl="2"/>
+            <a:r>
+              <a:rPr lang="de-AT" dirty="0" err="1"/>
+              <a:t>Contexte</a:t>
+            </a:r>
+            <a:r>
+              <a:rPr lang="de-AT" dirty="0"/>
+              <a:t>: (Integer)</a:t>
+            </a:r>
+          </a:p>
+          <a:p>
+            <a:pPr lvl="2"/>
+            <a:r>
+              <a:rPr lang="en-US" dirty="0"/>
+              <a:t>Business Cases: (Integer) </a:t>
+            </a:r>
+          </a:p>
+          <a:p>
+            <a:endParaRPr lang="de-AT" dirty="0"/>
           </a:p>
         </p:txBody>
       </p:sp>
@@ -7080,7 +7288,7 @@
           <p:cNvPr id="7" name="Inhaltsplatzhalter 6">
             <a:extLst>
               <a:ext uri="{FF2B5EF4-FFF2-40B4-BE49-F238E27FC236}">
-                <a16:creationId xmlns:a16="http://schemas.microsoft.com/office/drawing/2014/main" id="{7321952F-8BD8-477A-A632-9AF996835F02}"/>
+                <a16:creationId xmlns:a16="http://schemas.microsoft.com/office/drawing/2014/main" id="{440CC98C-E57A-4E10-9D54-CEB411AEFE85}"/>
               </a:ext>
             </a:extLst>
           </p:cNvPr>
@@ -7088,7 +7296,7 @@
             <a:spLocks noGrp="1"/>
           </p:cNvSpPr>
           <p:nvPr>
-            <p:ph idx="1"/>
+            <p:ph idx="17"/>
           </p:nvPr>
         </p:nvSpPr>
         <p:spPr/>
@@ -7096,14 +7304,74 @@
           <a:bodyPr/>
           <a:lstStyle/>
           <a:p>
-            <a:endParaRPr lang="de-AT"/>
+            <a:pPr marL="324000" lvl="1">
+              <a:spcBef>
+                <a:spcPts val="600"/>
+              </a:spcBef>
+              <a:spcAft>
+                <a:spcPts val="600"/>
+              </a:spcAft>
+              <a:buFont typeface="Wingdings 2" panose="05020102010507070707" pitchFamily="18" charset="2"/>
+              <a:buChar char=""/>
+            </a:pPr>
+            <a:r>
+              <a:rPr lang="de-DE" sz="2000" dirty="0"/>
+              <a:t>Implementierung</a:t>
+            </a:r>
+          </a:p>
+          <a:p>
+            <a:pPr marL="0" lvl="1" indent="0">
+              <a:spcBef>
+                <a:spcPts val="600"/>
+              </a:spcBef>
+              <a:spcAft>
+                <a:spcPts val="600"/>
+              </a:spcAft>
+              <a:buNone/>
+            </a:pPr>
+            <a:endParaRPr lang="en-US" sz="2000" dirty="0"/>
+          </a:p>
+          <a:p>
+            <a:pPr lvl="1"/>
+            <a:r>
+              <a:rPr lang="de-DE" dirty="0"/>
+              <a:t>Eingabeparameter</a:t>
+            </a:r>
+          </a:p>
+          <a:p>
+            <a:pPr lvl="2"/>
+            <a:r>
+              <a:rPr lang="de-DE" dirty="0"/>
+              <a:t>Parameter: </a:t>
+            </a:r>
+            <a:r>
+              <a:rPr lang="de-AT" dirty="0"/>
+              <a:t>(Integer)</a:t>
+            </a:r>
+          </a:p>
+          <a:p>
+            <a:pPr lvl="2"/>
+            <a:r>
+              <a:rPr lang="de-AT" dirty="0"/>
+              <a:t>Parameter Values: (Integer) </a:t>
+            </a:r>
+          </a:p>
+          <a:p>
+            <a:pPr lvl="2"/>
+            <a:r>
+              <a:rPr lang="en-US" dirty="0"/>
+              <a:t>Business Cases: (Integer) </a:t>
+            </a:r>
+          </a:p>
+          <a:p>
+            <a:endParaRPr lang="de-AT" dirty="0"/>
           </a:p>
         </p:txBody>
       </p:sp>
     </p:spTree>
     <p:extLst>
       <p:ext uri="{BB962C8B-B14F-4D97-AF65-F5344CB8AC3E}">
-        <p14:creationId xmlns:p14="http://schemas.microsoft.com/office/powerpoint/2010/main" val="2214690856"/>
+        <p14:creationId xmlns:p14="http://schemas.microsoft.com/office/powerpoint/2010/main" val="708911402"/>
       </p:ext>
     </p:extLst>
   </p:cSld>
@@ -7132,6 +7400,326 @@
       </p:grpSpPr>
       <p:sp>
         <p:nvSpPr>
+          <p:cNvPr id="2" name="Titel 1">
+            <a:extLst>
+              <a:ext uri="{FF2B5EF4-FFF2-40B4-BE49-F238E27FC236}">
+                <a16:creationId xmlns:a16="http://schemas.microsoft.com/office/drawing/2014/main" id="{6D8209DD-75D3-4862-8B98-E641FAC9746F}"/>
+              </a:ext>
+            </a:extLst>
+          </p:cNvPr>
+          <p:cNvSpPr>
+            <a:spLocks noGrp="1"/>
+          </p:cNvSpPr>
+          <p:nvPr>
+            <p:ph type="title"/>
+          </p:nvPr>
+        </p:nvSpPr>
+        <p:spPr/>
+        <p:txBody>
+          <a:bodyPr/>
+          <a:lstStyle/>
+          <a:p>
+            <a:r>
+              <a:rPr lang="de-DE" dirty="0"/>
+              <a:t>RMI</a:t>
+            </a:r>
+            <a:endParaRPr lang="de-AT" dirty="0"/>
+          </a:p>
+        </p:txBody>
+      </p:sp>
+      <p:sp>
+        <p:nvSpPr>
+          <p:cNvPr id="3" name="Bildplatzhalter 2">
+            <a:extLst>
+              <a:ext uri="{FF2B5EF4-FFF2-40B4-BE49-F238E27FC236}">
+                <a16:creationId xmlns:a16="http://schemas.microsoft.com/office/drawing/2014/main" id="{5AF217E7-FEC3-40BC-B206-9F338FCDAC6D}"/>
+              </a:ext>
+            </a:extLst>
+          </p:cNvPr>
+          <p:cNvSpPr>
+            <a:spLocks noGrp="1"/>
+          </p:cNvSpPr>
+          <p:nvPr>
+            <p:ph type="pic" sz="quarter" idx="13"/>
+          </p:nvPr>
+        </p:nvSpPr>
+        <p:spPr/>
+      </p:sp>
+      <p:sp>
+        <p:nvSpPr>
+          <p:cNvPr id="4" name="Textplatzhalter 3">
+            <a:extLst>
+              <a:ext uri="{FF2B5EF4-FFF2-40B4-BE49-F238E27FC236}">
+                <a16:creationId xmlns:a16="http://schemas.microsoft.com/office/drawing/2014/main" id="{57A05E70-D279-4E69-B758-2EFFE98C4B41}"/>
+              </a:ext>
+            </a:extLst>
+          </p:cNvPr>
+          <p:cNvSpPr>
+            <a:spLocks noGrp="1"/>
+          </p:cNvSpPr>
+          <p:nvPr>
+            <p:ph type="body" sz="quarter" idx="25"/>
+          </p:nvPr>
+        </p:nvSpPr>
+        <p:spPr/>
+        <p:txBody>
+          <a:bodyPr/>
+          <a:lstStyle/>
+          <a:p>
+            <a:endParaRPr lang="de-AT"/>
+          </a:p>
+        </p:txBody>
+      </p:sp>
+      <p:sp>
+        <p:nvSpPr>
+          <p:cNvPr id="6" name="Foliennummernplatzhalter 5">
+            <a:extLst>
+              <a:ext uri="{FF2B5EF4-FFF2-40B4-BE49-F238E27FC236}">
+                <a16:creationId xmlns:a16="http://schemas.microsoft.com/office/drawing/2014/main" id="{34E3AE14-4B30-4336-A3CF-9EC255CECF7B}"/>
+              </a:ext>
+            </a:extLst>
+          </p:cNvPr>
+          <p:cNvSpPr>
+            <a:spLocks noGrp="1"/>
+          </p:cNvSpPr>
+          <p:nvPr>
+            <p:ph type="sldNum" sz="quarter" idx="28"/>
+          </p:nvPr>
+        </p:nvSpPr>
+        <p:spPr/>
+        <p:txBody>
+          <a:bodyPr/>
+          <a:lstStyle/>
+          <a:p>
+            <a:fld id="{DFB297D7-21D1-0549-A74D-BD032133048A}" type="slidenum">
+              <a:rPr lang="en-US" smtClean="0"/>
+              <a:pPr/>
+              <a:t>7</a:t>
+            </a:fld>
+            <a:endParaRPr lang="en-US" dirty="0"/>
+          </a:p>
+        </p:txBody>
+      </p:sp>
+      <p:pic>
+        <p:nvPicPr>
+          <p:cNvPr id="8" name="Inhaltsplatzhalter 7">
+            <a:extLst>
+              <a:ext uri="{FF2B5EF4-FFF2-40B4-BE49-F238E27FC236}">
+                <a16:creationId xmlns:a16="http://schemas.microsoft.com/office/drawing/2014/main" id="{D331A8B1-3279-4B17-AC62-521E86B3D82B}"/>
+              </a:ext>
+            </a:extLst>
+          </p:cNvPr>
+          <p:cNvPicPr>
+            <a:picLocks noGrp="1" noChangeAspect="1"/>
+          </p:cNvPicPr>
+          <p:nvPr>
+            <p:ph idx="1"/>
+          </p:nvPr>
+        </p:nvPicPr>
+        <p:blipFill rotWithShape="1">
+          <a:blip r:embed="rId2"/>
+          <a:srcRect b="4195"/>
+          <a:stretch/>
+        </p:blipFill>
+        <p:spPr>
+          <a:xfrm>
+            <a:off x="1549400" y="1590396"/>
+            <a:ext cx="6345044" cy="2902160"/>
+          </a:xfrm>
+          <a:prstGeom prst="rect">
+            <a:avLst/>
+          </a:prstGeom>
+        </p:spPr>
+      </p:pic>
+    </p:spTree>
+    <p:extLst>
+      <p:ext uri="{BB962C8B-B14F-4D97-AF65-F5344CB8AC3E}">
+        <p14:creationId xmlns:p14="http://schemas.microsoft.com/office/powerpoint/2010/main" val="794540660"/>
+      </p:ext>
+    </p:extLst>
+  </p:cSld>
+  <p:clrMapOvr>
+    <a:masterClrMapping/>
+  </p:clrMapOvr>
+</p:sld>
+</file>
+
+<file path=ppt/slides/slide8.xml><?xml version="1.0" encoding="utf-8"?>
+<p:sld xmlns:a="http://schemas.openxmlformats.org/drawingml/2006/main" xmlns:r="http://schemas.openxmlformats.org/officeDocument/2006/relationships" xmlns:p="http://schemas.openxmlformats.org/presentationml/2006/main">
+  <p:cSld>
+    <p:spTree>
+      <p:nvGrpSpPr>
+        <p:cNvPr id="1" name=""/>
+        <p:cNvGrpSpPr/>
+        <p:nvPr/>
+      </p:nvGrpSpPr>
+      <p:grpSpPr>
+        <a:xfrm>
+          <a:off x="0" y="0"/>
+          <a:ext cx="0" cy="0"/>
+          <a:chOff x="0" y="0"/>
+          <a:chExt cx="0" cy="0"/>
+        </a:xfrm>
+      </p:grpSpPr>
+      <p:sp>
+        <p:nvSpPr>
+          <p:cNvPr id="2" name="Titel 1">
+            <a:extLst>
+              <a:ext uri="{FF2B5EF4-FFF2-40B4-BE49-F238E27FC236}">
+                <a16:creationId xmlns:a16="http://schemas.microsoft.com/office/drawing/2014/main" id="{AC5402D8-3BC1-4E3A-9E64-D5655B0C22DD}"/>
+              </a:ext>
+            </a:extLst>
+          </p:cNvPr>
+          <p:cNvSpPr>
+            <a:spLocks noGrp="1"/>
+          </p:cNvSpPr>
+          <p:nvPr>
+            <p:ph type="title"/>
+          </p:nvPr>
+        </p:nvSpPr>
+        <p:spPr/>
+        <p:txBody>
+          <a:bodyPr/>
+          <a:lstStyle/>
+          <a:p>
+            <a:r>
+              <a:rPr lang="de-DE" dirty="0" err="1"/>
+              <a:t>DatenSpeicherung</a:t>
+            </a:r>
+            <a:endParaRPr lang="de-AT" dirty="0"/>
+          </a:p>
+        </p:txBody>
+      </p:sp>
+      <p:sp>
+        <p:nvSpPr>
+          <p:cNvPr id="3" name="Bildplatzhalter 2">
+            <a:extLst>
+              <a:ext uri="{FF2B5EF4-FFF2-40B4-BE49-F238E27FC236}">
+                <a16:creationId xmlns:a16="http://schemas.microsoft.com/office/drawing/2014/main" id="{2915CB59-6261-450E-B5A8-3689B1F96F08}"/>
+              </a:ext>
+            </a:extLst>
+          </p:cNvPr>
+          <p:cNvSpPr>
+            <a:spLocks noGrp="1"/>
+          </p:cNvSpPr>
+          <p:nvPr>
+            <p:ph type="pic" sz="quarter" idx="13"/>
+          </p:nvPr>
+        </p:nvSpPr>
+        <p:spPr/>
+      </p:sp>
+      <p:sp>
+        <p:nvSpPr>
+          <p:cNvPr id="4" name="Textplatzhalter 3">
+            <a:extLst>
+              <a:ext uri="{FF2B5EF4-FFF2-40B4-BE49-F238E27FC236}">
+                <a16:creationId xmlns:a16="http://schemas.microsoft.com/office/drawing/2014/main" id="{D59DD067-582D-4B7D-B58B-FCE60731AC2A}"/>
+              </a:ext>
+            </a:extLst>
+          </p:cNvPr>
+          <p:cNvSpPr>
+            <a:spLocks noGrp="1"/>
+          </p:cNvSpPr>
+          <p:nvPr>
+            <p:ph type="body" sz="quarter" idx="25"/>
+          </p:nvPr>
+        </p:nvSpPr>
+        <p:spPr/>
+        <p:txBody>
+          <a:bodyPr/>
+          <a:lstStyle/>
+          <a:p>
+            <a:endParaRPr lang="de-AT"/>
+          </a:p>
+        </p:txBody>
+      </p:sp>
+      <p:sp>
+        <p:nvSpPr>
+          <p:cNvPr id="6" name="Foliennummernplatzhalter 5">
+            <a:extLst>
+              <a:ext uri="{FF2B5EF4-FFF2-40B4-BE49-F238E27FC236}">
+                <a16:creationId xmlns:a16="http://schemas.microsoft.com/office/drawing/2014/main" id="{F9487AD0-929E-4E73-AE2A-F73A938496AD}"/>
+              </a:ext>
+            </a:extLst>
+          </p:cNvPr>
+          <p:cNvSpPr>
+            <a:spLocks noGrp="1"/>
+          </p:cNvSpPr>
+          <p:nvPr>
+            <p:ph type="sldNum" sz="quarter" idx="28"/>
+          </p:nvPr>
+        </p:nvSpPr>
+        <p:spPr/>
+        <p:txBody>
+          <a:bodyPr/>
+          <a:lstStyle/>
+          <a:p>
+            <a:fld id="{DFB297D7-21D1-0549-A74D-BD032133048A}" type="slidenum">
+              <a:rPr lang="en-US" smtClean="0"/>
+              <a:pPr/>
+              <a:t>8</a:t>
+            </a:fld>
+            <a:endParaRPr lang="en-US" dirty="0"/>
+          </a:p>
+        </p:txBody>
+      </p:sp>
+      <p:sp>
+        <p:nvSpPr>
+          <p:cNvPr id="7" name="Inhaltsplatzhalter 6">
+            <a:extLst>
+              <a:ext uri="{FF2B5EF4-FFF2-40B4-BE49-F238E27FC236}">
+                <a16:creationId xmlns:a16="http://schemas.microsoft.com/office/drawing/2014/main" id="{7321952F-8BD8-477A-A632-9AF996835F02}"/>
+              </a:ext>
+            </a:extLst>
+          </p:cNvPr>
+          <p:cNvSpPr>
+            <a:spLocks noGrp="1"/>
+          </p:cNvSpPr>
+          <p:nvPr>
+            <p:ph idx="1"/>
+          </p:nvPr>
+        </p:nvSpPr>
+        <p:spPr/>
+        <p:txBody>
+          <a:bodyPr/>
+          <a:lstStyle/>
+          <a:p>
+            <a:endParaRPr lang="de-AT"/>
+          </a:p>
+        </p:txBody>
+      </p:sp>
+    </p:spTree>
+    <p:extLst>
+      <p:ext uri="{BB962C8B-B14F-4D97-AF65-F5344CB8AC3E}">
+        <p14:creationId xmlns:p14="http://schemas.microsoft.com/office/powerpoint/2010/main" val="2214690856"/>
+      </p:ext>
+    </p:extLst>
+  </p:cSld>
+  <p:clrMapOvr>
+    <a:masterClrMapping/>
+  </p:clrMapOvr>
+</p:sld>
+</file>
+
+<file path=ppt/slides/slide9.xml><?xml version="1.0" encoding="utf-8"?>
+<p:sld xmlns:a="http://schemas.openxmlformats.org/drawingml/2006/main" xmlns:r="http://schemas.openxmlformats.org/officeDocument/2006/relationships" xmlns:p="http://schemas.openxmlformats.org/presentationml/2006/main">
+  <p:cSld>
+    <p:spTree>
+      <p:nvGrpSpPr>
+        <p:cNvPr id="1" name=""/>
+        <p:cNvGrpSpPr/>
+        <p:nvPr/>
+      </p:nvGrpSpPr>
+      <p:grpSpPr>
+        <a:xfrm>
+          <a:off x="0" y="0"/>
+          <a:ext cx="0" cy="0"/>
+          <a:chOff x="0" y="0"/>
+          <a:chExt cx="0" cy="0"/>
+        </a:xfrm>
+      </p:grpSpPr>
+      <p:sp>
+        <p:nvSpPr>
           <p:cNvPr id="6" name="Foliennummernplatzhalter 5">
             <a:extLst>
               <a:ext uri="{FF2B5EF4-FFF2-40B4-BE49-F238E27FC236}">
@@ -7159,7 +7747,7 @@
             <a:fld id="{DFB297D7-21D1-0549-A74D-BD032133048A}" type="slidenum">
               <a:rPr lang="en-US" smtClean="0"/>
               <a:pPr/>
-              <a:t>7</a:t>
+              <a:t>9</a:t>
             </a:fld>
             <a:endParaRPr lang="en-US" dirty="0"/>
           </a:p>

--- a/Dokumente/Zwischenpräsentation Implementierung/Implementierung_Zwischenpraesentation.pptx
+++ b/Dokumente/Zwischenpräsentation Implementierung/Implementierung_Zwischenpraesentation.pptx
@@ -5,10 +5,10 @@
     <p:sldMasterId id="2147483660" r:id="rId1"/>
   </p:sldMasterIdLst>
   <p:notesMasterIdLst>
-    <p:notesMasterId r:id="rId11"/>
+    <p:notesMasterId r:id="rId13"/>
   </p:notesMasterIdLst>
   <p:handoutMasterIdLst>
-    <p:handoutMasterId r:id="rId12"/>
+    <p:handoutMasterId r:id="rId14"/>
   </p:handoutMasterIdLst>
   <p:sldIdLst>
     <p:sldId id="257" r:id="rId2"/>
@@ -19,7 +19,9 @@
     <p:sldId id="281" r:id="rId7"/>
     <p:sldId id="276" r:id="rId8"/>
     <p:sldId id="277" r:id="rId9"/>
-    <p:sldId id="275" r:id="rId10"/>
+    <p:sldId id="282" r:id="rId10"/>
+    <p:sldId id="283" r:id="rId11"/>
+    <p:sldId id="275" r:id="rId12"/>
   </p:sldIdLst>
   <p:sldSz cx="9144000" cy="6858000" type="screen4x3"/>
   <p:notesSz cx="7102475" cy="10234613"/>
@@ -211,7 +213,7 @@
           <a:p>
             <a:fld id="{05E02316-A3A9-40CE-8399-988D8D269502}" type="datetimeFigureOut">
               <a:rPr lang="de-AT" smtClean="0"/>
-              <a:t>14.01.2019</a:t>
+              <a:t>15.01.2019</a:t>
             </a:fld>
             <a:endParaRPr lang="de-AT"/>
           </a:p>
@@ -376,7 +378,7 @@
           <a:p>
             <a:fld id="{F5E89DEF-C035-41A2-9AFE-A6026D4C04BE}" type="datetimeFigureOut">
               <a:rPr lang="de-AT" smtClean="0"/>
-              <a:t>14.01.2019</a:t>
+              <a:t>15.01.2019</a:t>
             </a:fld>
             <a:endParaRPr lang="de-AT"/>
           </a:p>
@@ -6375,6 +6377,734 @@
 </p:sld>
 </file>
 
+<file path=ppt/slides/slide10.xml><?xml version="1.0" encoding="utf-8"?>
+<p:sld xmlns:a="http://schemas.openxmlformats.org/drawingml/2006/main" xmlns:r="http://schemas.openxmlformats.org/officeDocument/2006/relationships" xmlns:p="http://schemas.openxmlformats.org/presentationml/2006/main">
+  <p:cSld>
+    <p:spTree>
+      <p:nvGrpSpPr>
+        <p:cNvPr id="1" name=""/>
+        <p:cNvGrpSpPr/>
+        <p:nvPr/>
+      </p:nvGrpSpPr>
+      <p:grpSpPr>
+        <a:xfrm>
+          <a:off x="0" y="0"/>
+          <a:ext cx="0" cy="0"/>
+          <a:chOff x="0" y="0"/>
+          <a:chExt cx="0" cy="0"/>
+        </a:xfrm>
+      </p:grpSpPr>
+      <p:sp>
+        <p:nvSpPr>
+          <p:cNvPr id="2" name="Titel 1">
+            <a:extLst>
+              <a:ext uri="{FF2B5EF4-FFF2-40B4-BE49-F238E27FC236}">
+                <a16:creationId xmlns:a16="http://schemas.microsoft.com/office/drawing/2014/main" id="{AC5402D8-3BC1-4E3A-9E64-D5655B0C22DD}"/>
+              </a:ext>
+            </a:extLst>
+          </p:cNvPr>
+          <p:cNvSpPr>
+            <a:spLocks noGrp="1"/>
+          </p:cNvSpPr>
+          <p:nvPr>
+            <p:ph type="title"/>
+          </p:nvPr>
+        </p:nvSpPr>
+        <p:spPr/>
+        <p:txBody>
+          <a:bodyPr/>
+          <a:lstStyle/>
+          <a:p>
+            <a:r>
+              <a:rPr lang="de-DE" dirty="0"/>
+              <a:t>Abweichung </a:t>
+            </a:r>
+            <a:br>
+              <a:rPr lang="de-DE" dirty="0"/>
+            </a:br>
+            <a:r>
+              <a:rPr lang="de-DE" dirty="0"/>
+              <a:t>Konzeptueller Entwurf</a:t>
+            </a:r>
+            <a:endParaRPr lang="de-AT" dirty="0"/>
+          </a:p>
+        </p:txBody>
+      </p:sp>
+      <p:sp>
+        <p:nvSpPr>
+          <p:cNvPr id="6" name="Foliennummernplatzhalter 5">
+            <a:extLst>
+              <a:ext uri="{FF2B5EF4-FFF2-40B4-BE49-F238E27FC236}">
+                <a16:creationId xmlns:a16="http://schemas.microsoft.com/office/drawing/2014/main" id="{F9487AD0-929E-4E73-AE2A-F73A938496AD}"/>
+              </a:ext>
+            </a:extLst>
+          </p:cNvPr>
+          <p:cNvSpPr>
+            <a:spLocks noGrp="1"/>
+          </p:cNvSpPr>
+          <p:nvPr>
+            <p:ph type="sldNum" sz="quarter" idx="28"/>
+          </p:nvPr>
+        </p:nvSpPr>
+        <p:spPr/>
+        <p:txBody>
+          <a:bodyPr/>
+          <a:lstStyle/>
+          <a:p>
+            <a:fld id="{DFB297D7-21D1-0549-A74D-BD032133048A}" type="slidenum">
+              <a:rPr lang="en-US" smtClean="0"/>
+              <a:pPr/>
+              <a:t>10</a:t>
+            </a:fld>
+            <a:endParaRPr lang="en-US" dirty="0"/>
+          </a:p>
+        </p:txBody>
+      </p:sp>
+      <p:sp>
+        <p:nvSpPr>
+          <p:cNvPr id="9" name="Inhaltsplatzhalter 8">
+            <a:extLst>
+              <a:ext uri="{FF2B5EF4-FFF2-40B4-BE49-F238E27FC236}">
+                <a16:creationId xmlns:a16="http://schemas.microsoft.com/office/drawing/2014/main" id="{722E9D16-75DD-4323-BE6C-BF7EB48F246F}"/>
+              </a:ext>
+            </a:extLst>
+          </p:cNvPr>
+          <p:cNvSpPr>
+            <a:spLocks noGrp="1"/>
+          </p:cNvSpPr>
+          <p:nvPr>
+            <p:ph idx="1"/>
+          </p:nvPr>
+        </p:nvSpPr>
+        <p:spPr>
+          <a:xfrm>
+            <a:off x="555730" y="1672774"/>
+            <a:ext cx="7925378" cy="4150016"/>
+          </a:xfrm>
+        </p:spPr>
+        <p:txBody>
+          <a:bodyPr/>
+          <a:lstStyle/>
+          <a:p>
+            <a:r>
+              <a:rPr lang="de-AT" dirty="0"/>
+              <a:t>Analog zur CBR Implementierung</a:t>
+            </a:r>
+          </a:p>
+          <a:p>
+            <a:endParaRPr lang="de-AT" dirty="0"/>
+          </a:p>
+          <a:p>
+            <a:endParaRPr lang="de-AT" dirty="0"/>
+          </a:p>
+        </p:txBody>
+      </p:sp>
+      <p:sp>
+        <p:nvSpPr>
+          <p:cNvPr id="8" name="Inhaltsplatzhalter 5">
+            <a:extLst>
+              <a:ext uri="{FF2B5EF4-FFF2-40B4-BE49-F238E27FC236}">
+                <a16:creationId xmlns:a16="http://schemas.microsoft.com/office/drawing/2014/main" id="{29CE8184-B6A7-4587-A812-02A7ECF7D98D}"/>
+              </a:ext>
+            </a:extLst>
+          </p:cNvPr>
+          <p:cNvSpPr txBox="1">
+            <a:spLocks/>
+          </p:cNvSpPr>
+          <p:nvPr/>
+        </p:nvSpPr>
+        <p:spPr>
+          <a:xfrm>
+            <a:off x="1021492" y="2397211"/>
+            <a:ext cx="3321176" cy="3808842"/>
+          </a:xfrm>
+          <a:prstGeom prst="rect">
+            <a:avLst/>
+          </a:prstGeom>
+        </p:spPr>
+        <p:txBody>
+          <a:bodyPr vert="horz" lIns="91440" tIns="45720" rIns="91440" bIns="45720" rtlCol="0">
+            <a:noAutofit/>
+          </a:bodyPr>
+          <a:lstStyle>
+            <a:lvl1pPr marL="324000" indent="-324000" algn="l" defTabSz="914400" rtl="0" eaLnBrk="1" latinLnBrk="0" hangingPunct="1">
+              <a:lnSpc>
+                <a:spcPct val="105000"/>
+              </a:lnSpc>
+              <a:spcBef>
+                <a:spcPts val="600"/>
+              </a:spcBef>
+              <a:spcAft>
+                <a:spcPts val="600"/>
+              </a:spcAft>
+              <a:buSzPct val="90000"/>
+              <a:buFont typeface="Wingdings 2" panose="05020102010507070707" pitchFamily="18" charset="2"/>
+              <a:buChar char=""/>
+              <a:defRPr sz="2000" kern="1200">
+                <a:solidFill>
+                  <a:schemeClr val="tx1"/>
+                </a:solidFill>
+                <a:latin typeface="+mn-lt"/>
+                <a:ea typeface="+mn-ea"/>
+                <a:cs typeface="+mn-cs"/>
+              </a:defRPr>
+            </a:lvl1pPr>
+            <a:lvl2pPr marL="648000" indent="-324000" algn="l" defTabSz="914400" rtl="0" eaLnBrk="1" latinLnBrk="0" hangingPunct="1">
+              <a:lnSpc>
+                <a:spcPct val="105000"/>
+              </a:lnSpc>
+              <a:spcBef>
+                <a:spcPts val="200"/>
+              </a:spcBef>
+              <a:spcAft>
+                <a:spcPts val="400"/>
+              </a:spcAft>
+              <a:buSzPct val="90000"/>
+              <a:buFont typeface="Wingdings 2" panose="05020102010507070707" pitchFamily="18" charset="2"/>
+              <a:buChar char=""/>
+              <a:defRPr sz="1800" kern="1200">
+                <a:solidFill>
+                  <a:schemeClr val="tx1"/>
+                </a:solidFill>
+                <a:latin typeface="+mn-lt"/>
+                <a:ea typeface="+mn-ea"/>
+                <a:cs typeface="+mn-cs"/>
+              </a:defRPr>
+            </a:lvl2pPr>
+            <a:lvl3pPr marL="936000" indent="-288000" algn="l" defTabSz="914400" rtl="0" eaLnBrk="1" latinLnBrk="0" hangingPunct="1">
+              <a:lnSpc>
+                <a:spcPct val="105000"/>
+              </a:lnSpc>
+              <a:spcBef>
+                <a:spcPts val="0"/>
+              </a:spcBef>
+              <a:spcAft>
+                <a:spcPts val="300"/>
+              </a:spcAft>
+              <a:buFont typeface="Wingdings 2" panose="05020102010507070707" pitchFamily="18" charset="2"/>
+              <a:buChar char=""/>
+              <a:defRPr sz="1600" kern="1200">
+                <a:solidFill>
+                  <a:schemeClr val="tx1"/>
+                </a:solidFill>
+                <a:latin typeface="+mn-lt"/>
+                <a:ea typeface="+mn-ea"/>
+                <a:cs typeface="+mn-cs"/>
+              </a:defRPr>
+            </a:lvl3pPr>
+            <a:lvl4pPr marL="1224000" indent="-288000" algn="l" defTabSz="914400" rtl="0" eaLnBrk="1" latinLnBrk="0" hangingPunct="1">
+              <a:lnSpc>
+                <a:spcPct val="105000"/>
+              </a:lnSpc>
+              <a:spcBef>
+                <a:spcPts val="0"/>
+              </a:spcBef>
+              <a:spcAft>
+                <a:spcPts val="300"/>
+              </a:spcAft>
+              <a:buFont typeface="Wingdings 2" panose="05020102010507070707" pitchFamily="18" charset="2"/>
+              <a:buChar char=""/>
+              <a:defRPr sz="1500" kern="1200">
+                <a:solidFill>
+                  <a:schemeClr val="tx1"/>
+                </a:solidFill>
+                <a:latin typeface="+mn-lt"/>
+                <a:ea typeface="+mn-ea"/>
+                <a:cs typeface="+mn-cs"/>
+              </a:defRPr>
+            </a:lvl4pPr>
+            <a:lvl5pPr marL="1512000" indent="-288000" algn="l" defTabSz="914400" rtl="0" eaLnBrk="1" latinLnBrk="0" hangingPunct="1">
+              <a:lnSpc>
+                <a:spcPct val="105000"/>
+              </a:lnSpc>
+              <a:spcBef>
+                <a:spcPts val="0"/>
+              </a:spcBef>
+              <a:spcAft>
+                <a:spcPts val="600"/>
+              </a:spcAft>
+              <a:buFont typeface="Wingdings 2" panose="05020102010507070707" pitchFamily="18" charset="2"/>
+              <a:buChar char=""/>
+              <a:defRPr sz="1400" kern="1200">
+                <a:solidFill>
+                  <a:schemeClr val="tx1"/>
+                </a:solidFill>
+                <a:latin typeface="+mn-lt"/>
+                <a:ea typeface="+mn-ea"/>
+                <a:cs typeface="+mn-cs"/>
+              </a:defRPr>
+            </a:lvl5pPr>
+            <a:lvl6pPr marL="2514600" indent="-228600" algn="l" defTabSz="914400" rtl="0" eaLnBrk="1" latinLnBrk="0" hangingPunct="1">
+              <a:lnSpc>
+                <a:spcPct val="90000"/>
+              </a:lnSpc>
+              <a:spcBef>
+                <a:spcPts val="500"/>
+              </a:spcBef>
+              <a:buFont typeface="Arial" panose="020B0604020202020204" pitchFamily="34" charset="0"/>
+              <a:buChar char="•"/>
+              <a:defRPr sz="1800" kern="1200">
+                <a:solidFill>
+                  <a:schemeClr val="tx1"/>
+                </a:solidFill>
+                <a:latin typeface="+mn-lt"/>
+                <a:ea typeface="+mn-ea"/>
+                <a:cs typeface="+mn-cs"/>
+              </a:defRPr>
+            </a:lvl6pPr>
+            <a:lvl7pPr marL="2971800" indent="-228600" algn="l" defTabSz="914400" rtl="0" eaLnBrk="1" latinLnBrk="0" hangingPunct="1">
+              <a:lnSpc>
+                <a:spcPct val="90000"/>
+              </a:lnSpc>
+              <a:spcBef>
+                <a:spcPts val="500"/>
+              </a:spcBef>
+              <a:buFont typeface="Arial" panose="020B0604020202020204" pitchFamily="34" charset="0"/>
+              <a:buChar char="•"/>
+              <a:defRPr sz="1800" kern="1200">
+                <a:solidFill>
+                  <a:schemeClr val="tx1"/>
+                </a:solidFill>
+                <a:latin typeface="+mn-lt"/>
+                <a:ea typeface="+mn-ea"/>
+                <a:cs typeface="+mn-cs"/>
+              </a:defRPr>
+            </a:lvl7pPr>
+            <a:lvl8pPr marL="3429000" indent="-228600" algn="l" defTabSz="914400" rtl="0" eaLnBrk="1" latinLnBrk="0" hangingPunct="1">
+              <a:lnSpc>
+                <a:spcPct val="90000"/>
+              </a:lnSpc>
+              <a:spcBef>
+                <a:spcPts val="500"/>
+              </a:spcBef>
+              <a:buFont typeface="Arial" panose="020B0604020202020204" pitchFamily="34" charset="0"/>
+              <a:buChar char="•"/>
+              <a:defRPr sz="1800" kern="1200">
+                <a:solidFill>
+                  <a:schemeClr val="tx1"/>
+                </a:solidFill>
+                <a:latin typeface="+mn-lt"/>
+                <a:ea typeface="+mn-ea"/>
+                <a:cs typeface="+mn-cs"/>
+              </a:defRPr>
+            </a:lvl8pPr>
+            <a:lvl9pPr marL="3886200" indent="-228600" algn="l" defTabSz="914400" rtl="0" eaLnBrk="1" latinLnBrk="0" hangingPunct="1">
+              <a:lnSpc>
+                <a:spcPct val="90000"/>
+              </a:lnSpc>
+              <a:spcBef>
+                <a:spcPts val="500"/>
+              </a:spcBef>
+              <a:buFont typeface="Arial" panose="020B0604020202020204" pitchFamily="34" charset="0"/>
+              <a:buChar char="•"/>
+              <a:defRPr sz="1800" kern="1200">
+                <a:solidFill>
+                  <a:schemeClr val="tx1"/>
+                </a:solidFill>
+                <a:latin typeface="+mn-lt"/>
+                <a:ea typeface="+mn-ea"/>
+                <a:cs typeface="+mn-cs"/>
+              </a:defRPr>
+            </a:lvl9pPr>
+          </a:lstStyle>
+          <a:p>
+            <a:r>
+              <a:rPr lang="de-DE" dirty="0"/>
+              <a:t>Konzeptueller Entwurf</a:t>
+            </a:r>
+          </a:p>
+          <a:p>
+            <a:pPr lvl="1"/>
+            <a:endParaRPr lang="de-DE" dirty="0"/>
+          </a:p>
+          <a:p>
+            <a:pPr lvl="1"/>
+            <a:r>
+              <a:rPr lang="de-DE" dirty="0"/>
+              <a:t>Spalten</a:t>
+            </a:r>
+          </a:p>
+          <a:p>
+            <a:pPr lvl="2"/>
+            <a:r>
+              <a:rPr lang="de-AT" dirty="0"/>
+              <a:t>Parameter: (Integer)</a:t>
+            </a:r>
+          </a:p>
+          <a:p>
+            <a:pPr lvl="2"/>
+            <a:r>
+              <a:rPr lang="de-AT" dirty="0"/>
+              <a:t>Parameter Values: (Integer) </a:t>
+            </a:r>
+          </a:p>
+          <a:p>
+            <a:pPr lvl="2"/>
+            <a:r>
+              <a:rPr lang="de-AT" dirty="0" err="1"/>
+              <a:t>Contexte</a:t>
+            </a:r>
+            <a:r>
+              <a:rPr lang="de-AT" dirty="0"/>
+              <a:t>: (Integer)</a:t>
+            </a:r>
+          </a:p>
+          <a:p>
+            <a:pPr lvl="2"/>
+            <a:r>
+              <a:rPr lang="en-US" dirty="0"/>
+              <a:t>Business Cases: (Integer) </a:t>
+            </a:r>
+          </a:p>
+          <a:p>
+            <a:endParaRPr lang="de-AT" dirty="0"/>
+          </a:p>
+        </p:txBody>
+      </p:sp>
+      <p:sp>
+        <p:nvSpPr>
+          <p:cNvPr id="10" name="Inhaltsplatzhalter 6">
+            <a:extLst>
+              <a:ext uri="{FF2B5EF4-FFF2-40B4-BE49-F238E27FC236}">
+                <a16:creationId xmlns:a16="http://schemas.microsoft.com/office/drawing/2014/main" id="{036F892B-B1FE-4CF1-99B0-83ADF7F9C007}"/>
+              </a:ext>
+            </a:extLst>
+          </p:cNvPr>
+          <p:cNvSpPr txBox="1">
+            <a:spLocks/>
+          </p:cNvSpPr>
+          <p:nvPr/>
+        </p:nvSpPr>
+        <p:spPr>
+          <a:xfrm>
+            <a:off x="4693116" y="2397209"/>
+            <a:ext cx="3321176" cy="3808843"/>
+          </a:xfrm>
+          <a:prstGeom prst="rect">
+            <a:avLst/>
+          </a:prstGeom>
+        </p:spPr>
+        <p:txBody>
+          <a:bodyPr/>
+          <a:lstStyle>
+            <a:lvl1pPr marL="324000" indent="-324000" algn="l" defTabSz="914400" rtl="0" eaLnBrk="1" latinLnBrk="0" hangingPunct="1">
+              <a:lnSpc>
+                <a:spcPct val="105000"/>
+              </a:lnSpc>
+              <a:spcBef>
+                <a:spcPts val="0"/>
+              </a:spcBef>
+              <a:spcAft>
+                <a:spcPts val="600"/>
+              </a:spcAft>
+              <a:buSzPct val="90000"/>
+              <a:buFont typeface="Wingdings 2" panose="05020102010507070707" pitchFamily="18" charset="2"/>
+              <a:buChar char=""/>
+              <a:defRPr sz="2000" kern="1200">
+                <a:solidFill>
+                  <a:schemeClr val="tx1"/>
+                </a:solidFill>
+                <a:latin typeface="+mn-lt"/>
+                <a:ea typeface="+mn-ea"/>
+                <a:cs typeface="+mn-cs"/>
+              </a:defRPr>
+            </a:lvl1pPr>
+            <a:lvl2pPr marL="648000" indent="-324000" algn="l" defTabSz="914400" rtl="0" eaLnBrk="1" latinLnBrk="0" hangingPunct="1">
+              <a:lnSpc>
+                <a:spcPct val="105000"/>
+              </a:lnSpc>
+              <a:spcBef>
+                <a:spcPts val="0"/>
+              </a:spcBef>
+              <a:spcAft>
+                <a:spcPts val="600"/>
+              </a:spcAft>
+              <a:buSzPct val="90000"/>
+              <a:buFont typeface="Wingdings 2" panose="05020102010507070707" pitchFamily="18" charset="2"/>
+              <a:buChar char=""/>
+              <a:defRPr sz="1800" kern="1200">
+                <a:solidFill>
+                  <a:schemeClr val="tx1"/>
+                </a:solidFill>
+                <a:latin typeface="+mn-lt"/>
+                <a:ea typeface="+mn-ea"/>
+                <a:cs typeface="+mn-cs"/>
+              </a:defRPr>
+            </a:lvl2pPr>
+            <a:lvl3pPr marL="936000" indent="-288000" algn="l" defTabSz="914400" rtl="0" eaLnBrk="1" latinLnBrk="0" hangingPunct="1">
+              <a:lnSpc>
+                <a:spcPct val="105000"/>
+              </a:lnSpc>
+              <a:spcBef>
+                <a:spcPts val="0"/>
+              </a:spcBef>
+              <a:spcAft>
+                <a:spcPts val="600"/>
+              </a:spcAft>
+              <a:buFont typeface="Wingdings 2" panose="05020102010507070707" pitchFamily="18" charset="2"/>
+              <a:buChar char=""/>
+              <a:defRPr sz="1600" kern="1200">
+                <a:solidFill>
+                  <a:schemeClr val="tx1"/>
+                </a:solidFill>
+                <a:latin typeface="+mn-lt"/>
+                <a:ea typeface="+mn-ea"/>
+                <a:cs typeface="+mn-cs"/>
+              </a:defRPr>
+            </a:lvl3pPr>
+            <a:lvl4pPr marL="1224000" indent="-288000" algn="l" defTabSz="914400" rtl="0" eaLnBrk="1" latinLnBrk="0" hangingPunct="1">
+              <a:lnSpc>
+                <a:spcPct val="105000"/>
+              </a:lnSpc>
+              <a:spcBef>
+                <a:spcPts val="0"/>
+              </a:spcBef>
+              <a:spcAft>
+                <a:spcPts val="600"/>
+              </a:spcAft>
+              <a:buFont typeface="Wingdings 2" panose="05020102010507070707" pitchFamily="18" charset="2"/>
+              <a:buChar char=""/>
+              <a:defRPr sz="1500" kern="1200">
+                <a:solidFill>
+                  <a:schemeClr val="tx1"/>
+                </a:solidFill>
+                <a:latin typeface="+mn-lt"/>
+                <a:ea typeface="+mn-ea"/>
+                <a:cs typeface="+mn-cs"/>
+              </a:defRPr>
+            </a:lvl4pPr>
+            <a:lvl5pPr marL="1512000" indent="-288000" algn="l" defTabSz="914400" rtl="0" eaLnBrk="1" latinLnBrk="0" hangingPunct="1">
+              <a:lnSpc>
+                <a:spcPct val="105000"/>
+              </a:lnSpc>
+              <a:spcBef>
+                <a:spcPts val="0"/>
+              </a:spcBef>
+              <a:spcAft>
+                <a:spcPts val="600"/>
+              </a:spcAft>
+              <a:buFont typeface="Wingdings 2" panose="05020102010507070707" pitchFamily="18" charset="2"/>
+              <a:buChar char=""/>
+              <a:defRPr sz="1400" kern="1200">
+                <a:solidFill>
+                  <a:schemeClr val="tx1"/>
+                </a:solidFill>
+                <a:latin typeface="+mn-lt"/>
+                <a:ea typeface="+mn-ea"/>
+                <a:cs typeface="+mn-cs"/>
+              </a:defRPr>
+            </a:lvl5pPr>
+            <a:lvl6pPr marL="2514600" indent="-228600" algn="l" defTabSz="914400" rtl="0" eaLnBrk="1" latinLnBrk="0" hangingPunct="1">
+              <a:lnSpc>
+                <a:spcPct val="90000"/>
+              </a:lnSpc>
+              <a:spcBef>
+                <a:spcPts val="500"/>
+              </a:spcBef>
+              <a:buFont typeface="Arial" panose="020B0604020202020204" pitchFamily="34" charset="0"/>
+              <a:buChar char="•"/>
+              <a:defRPr sz="1800" kern="1200">
+                <a:solidFill>
+                  <a:schemeClr val="tx1"/>
+                </a:solidFill>
+                <a:latin typeface="+mn-lt"/>
+                <a:ea typeface="+mn-ea"/>
+                <a:cs typeface="+mn-cs"/>
+              </a:defRPr>
+            </a:lvl6pPr>
+            <a:lvl7pPr marL="2971800" indent="-228600" algn="l" defTabSz="914400" rtl="0" eaLnBrk="1" latinLnBrk="0" hangingPunct="1">
+              <a:lnSpc>
+                <a:spcPct val="90000"/>
+              </a:lnSpc>
+              <a:spcBef>
+                <a:spcPts val="500"/>
+              </a:spcBef>
+              <a:buFont typeface="Arial" panose="020B0604020202020204" pitchFamily="34" charset="0"/>
+              <a:buChar char="•"/>
+              <a:defRPr sz="1800" kern="1200">
+                <a:solidFill>
+                  <a:schemeClr val="tx1"/>
+                </a:solidFill>
+                <a:latin typeface="+mn-lt"/>
+                <a:ea typeface="+mn-ea"/>
+                <a:cs typeface="+mn-cs"/>
+              </a:defRPr>
+            </a:lvl7pPr>
+            <a:lvl8pPr marL="3429000" indent="-228600" algn="l" defTabSz="914400" rtl="0" eaLnBrk="1" latinLnBrk="0" hangingPunct="1">
+              <a:lnSpc>
+                <a:spcPct val="90000"/>
+              </a:lnSpc>
+              <a:spcBef>
+                <a:spcPts val="500"/>
+              </a:spcBef>
+              <a:buFont typeface="Arial" panose="020B0604020202020204" pitchFamily="34" charset="0"/>
+              <a:buChar char="•"/>
+              <a:defRPr sz="1800" kern="1200">
+                <a:solidFill>
+                  <a:schemeClr val="tx1"/>
+                </a:solidFill>
+                <a:latin typeface="+mn-lt"/>
+                <a:ea typeface="+mn-ea"/>
+                <a:cs typeface="+mn-cs"/>
+              </a:defRPr>
+            </a:lvl8pPr>
+            <a:lvl9pPr marL="3886200" indent="-228600" algn="l" defTabSz="914400" rtl="0" eaLnBrk="1" latinLnBrk="0" hangingPunct="1">
+              <a:lnSpc>
+                <a:spcPct val="90000"/>
+              </a:lnSpc>
+              <a:spcBef>
+                <a:spcPts val="500"/>
+              </a:spcBef>
+              <a:buFont typeface="Arial" panose="020B0604020202020204" pitchFamily="34" charset="0"/>
+              <a:buChar char="•"/>
+              <a:defRPr sz="1800" kern="1200">
+                <a:solidFill>
+                  <a:schemeClr val="tx1"/>
+                </a:solidFill>
+                <a:latin typeface="+mn-lt"/>
+                <a:ea typeface="+mn-ea"/>
+                <a:cs typeface="+mn-cs"/>
+              </a:defRPr>
+            </a:lvl9pPr>
+          </a:lstStyle>
+          <a:p>
+            <a:pPr marL="324000" lvl="1">
+              <a:spcBef>
+                <a:spcPts val="600"/>
+              </a:spcBef>
+              <a:buFont typeface="Wingdings 2" panose="05020102010507070707" pitchFamily="18" charset="2"/>
+              <a:buChar char=""/>
+            </a:pPr>
+            <a:r>
+              <a:rPr lang="de-DE" sz="2000" dirty="0"/>
+              <a:t>Implementierung</a:t>
+            </a:r>
+          </a:p>
+          <a:p>
+            <a:pPr marL="0" lvl="1" indent="0">
+              <a:spcBef>
+                <a:spcPts val="600"/>
+              </a:spcBef>
+              <a:buFont typeface="Wingdings 2" panose="05020102010507070707" pitchFamily="18" charset="2"/>
+              <a:buNone/>
+            </a:pPr>
+            <a:endParaRPr lang="en-US" sz="2000" dirty="0"/>
+          </a:p>
+          <a:p>
+            <a:pPr lvl="1"/>
+            <a:r>
+              <a:rPr lang="de-DE" dirty="0"/>
+              <a:t>Spalten</a:t>
+            </a:r>
+          </a:p>
+          <a:p>
+            <a:pPr lvl="2"/>
+            <a:r>
+              <a:rPr lang="de-DE" dirty="0"/>
+              <a:t>Parameter: </a:t>
+            </a:r>
+            <a:r>
+              <a:rPr lang="de-AT" dirty="0"/>
+              <a:t>(Integer)</a:t>
+            </a:r>
+          </a:p>
+          <a:p>
+            <a:pPr lvl="2"/>
+            <a:r>
+              <a:rPr lang="de-AT" dirty="0"/>
+              <a:t>Parameter Values: (Integer) </a:t>
+            </a:r>
+          </a:p>
+          <a:p>
+            <a:pPr lvl="2"/>
+            <a:r>
+              <a:rPr lang="en-US" dirty="0"/>
+              <a:t>Business Cases: (Integer) </a:t>
+            </a:r>
+          </a:p>
+          <a:p>
+            <a:endParaRPr lang="de-AT" dirty="0"/>
+          </a:p>
+        </p:txBody>
+      </p:sp>
+    </p:spTree>
+    <p:extLst>
+      <p:ext uri="{BB962C8B-B14F-4D97-AF65-F5344CB8AC3E}">
+        <p14:creationId xmlns:p14="http://schemas.microsoft.com/office/powerpoint/2010/main" val="20204983"/>
+      </p:ext>
+    </p:extLst>
+  </p:cSld>
+  <p:clrMapOvr>
+    <a:masterClrMapping/>
+  </p:clrMapOvr>
+</p:sld>
+</file>
+
+<file path=ppt/slides/slide11.xml><?xml version="1.0" encoding="utf-8"?>
+<p:sld xmlns:a="http://schemas.openxmlformats.org/drawingml/2006/main" xmlns:r="http://schemas.openxmlformats.org/officeDocument/2006/relationships" xmlns:p="http://schemas.openxmlformats.org/presentationml/2006/main">
+  <p:cSld>
+    <p:spTree>
+      <p:nvGrpSpPr>
+        <p:cNvPr id="1" name=""/>
+        <p:cNvGrpSpPr/>
+        <p:nvPr/>
+      </p:nvGrpSpPr>
+      <p:grpSpPr>
+        <a:xfrm>
+          <a:off x="0" y="0"/>
+          <a:ext cx="0" cy="0"/>
+          <a:chOff x="0" y="0"/>
+          <a:chExt cx="0" cy="0"/>
+        </a:xfrm>
+      </p:grpSpPr>
+      <p:sp>
+        <p:nvSpPr>
+          <p:cNvPr id="6" name="Foliennummernplatzhalter 5">
+            <a:extLst>
+              <a:ext uri="{FF2B5EF4-FFF2-40B4-BE49-F238E27FC236}">
+                <a16:creationId xmlns:a16="http://schemas.microsoft.com/office/drawing/2014/main" id="{6169F164-A1B9-41CF-992E-01DFE413BA8E}"/>
+              </a:ext>
+            </a:extLst>
+          </p:cNvPr>
+          <p:cNvSpPr>
+            <a:spLocks noGrp="1"/>
+          </p:cNvSpPr>
+          <p:nvPr>
+            <p:ph type="sldNum" sz="quarter" idx="4294967295"/>
+          </p:nvPr>
+        </p:nvSpPr>
+        <p:spPr>
+          <a:xfrm>
+            <a:off x="8629650" y="6396038"/>
+            <a:ext cx="514350" cy="365125"/>
+          </a:xfrm>
+        </p:spPr>
+        <p:txBody>
+          <a:bodyPr/>
+          <a:lstStyle/>
+          <a:p>
+            <a:fld id="{DFB297D7-21D1-0549-A74D-BD032133048A}" type="slidenum">
+              <a:rPr lang="en-US" smtClean="0"/>
+              <a:pPr/>
+              <a:t>11</a:t>
+            </a:fld>
+            <a:endParaRPr lang="en-US" dirty="0"/>
+          </a:p>
+        </p:txBody>
+      </p:sp>
+    </p:spTree>
+    <p:extLst>
+      <p:ext uri="{BB962C8B-B14F-4D97-AF65-F5344CB8AC3E}">
+        <p14:creationId xmlns:p14="http://schemas.microsoft.com/office/powerpoint/2010/main" val="1542459990"/>
+      </p:ext>
+    </p:extLst>
+  </p:cSld>
+  <p:clrMapOvr>
+    <a:masterClrMapping/>
+  </p:clrMapOvr>
+</p:sld>
+</file>
+
 <file path=ppt/slides/slide2.xml><?xml version="1.0" encoding="utf-8"?>
 <p:sld xmlns:a="http://schemas.openxmlformats.org/drawingml/2006/main" xmlns:r="http://schemas.openxmlformats.org/officeDocument/2006/relationships" xmlns:p="http://schemas.openxmlformats.org/presentationml/2006/main">
   <p:cSld>
@@ -7665,10 +8395,10 @@
       </p:sp>
       <p:sp>
         <p:nvSpPr>
-          <p:cNvPr id="7" name="Inhaltsplatzhalter 6">
+          <p:cNvPr id="9" name="Inhaltsplatzhalter 8">
             <a:extLst>
               <a:ext uri="{FF2B5EF4-FFF2-40B4-BE49-F238E27FC236}">
-                <a16:creationId xmlns:a16="http://schemas.microsoft.com/office/drawing/2014/main" id="{7321952F-8BD8-477A-A632-9AF996835F02}"/>
+                <a16:creationId xmlns:a16="http://schemas.microsoft.com/office/drawing/2014/main" id="{722E9D16-75DD-4323-BE6C-BF7EB48F246F}"/>
               </a:ext>
             </a:extLst>
           </p:cNvPr>
@@ -7684,10 +8414,68 @@
           <a:bodyPr/>
           <a:lstStyle/>
           <a:p>
-            <a:endParaRPr lang="de-AT"/>
-          </a:p>
-        </p:txBody>
-      </p:sp>
+            <a:r>
+              <a:rPr lang="de-AT" dirty="0"/>
+              <a:t>Die Datenspeicherung besteht aus folgenden Klassen</a:t>
+            </a:r>
+          </a:p>
+          <a:p>
+            <a:endParaRPr lang="de-AT" dirty="0"/>
+          </a:p>
+          <a:p>
+            <a:endParaRPr lang="de-AT" dirty="0"/>
+          </a:p>
+          <a:p>
+            <a:endParaRPr lang="de-AT" dirty="0"/>
+          </a:p>
+          <a:p>
+            <a:endParaRPr lang="de-AT" dirty="0"/>
+          </a:p>
+          <a:p>
+            <a:r>
+              <a:rPr lang="de-AT" dirty="0"/>
+              <a:t>CBR oder RMI Objektübergabe aus Hauptprogramm</a:t>
+            </a:r>
+          </a:p>
+          <a:p>
+            <a:pPr lvl="1"/>
+            <a:r>
+              <a:rPr lang="de-AT" dirty="0"/>
+              <a:t>Speicherung der Inhalte in die Datenbank</a:t>
+            </a:r>
+          </a:p>
+        </p:txBody>
+      </p:sp>
+      <p:pic>
+        <p:nvPicPr>
+          <p:cNvPr id="10" name="Grafik 9">
+            <a:extLst>
+              <a:ext uri="{FF2B5EF4-FFF2-40B4-BE49-F238E27FC236}">
+                <a16:creationId xmlns:a16="http://schemas.microsoft.com/office/drawing/2014/main" id="{33403EBE-057C-43DB-AB1C-E5660684DF4E}"/>
+              </a:ext>
+            </a:extLst>
+          </p:cNvPr>
+          <p:cNvPicPr>
+            <a:picLocks noChangeAspect="1"/>
+          </p:cNvPicPr>
+          <p:nvPr/>
+        </p:nvPicPr>
+        <p:blipFill>
+          <a:blip r:embed="rId2"/>
+          <a:stretch>
+            <a:fillRect/>
+          </a:stretch>
+        </p:blipFill>
+        <p:spPr>
+          <a:xfrm>
+            <a:off x="2998242" y="2579470"/>
+            <a:ext cx="3040354" cy="942332"/>
+          </a:xfrm>
+          <a:prstGeom prst="rect">
+            <a:avLst/>
+          </a:prstGeom>
+        </p:spPr>
+      </p:pic>
     </p:spTree>
     <p:extLst>
       <p:ext uri="{BB962C8B-B14F-4D97-AF65-F5344CB8AC3E}">
@@ -7720,10 +8508,39 @@
       </p:grpSpPr>
       <p:sp>
         <p:nvSpPr>
+          <p:cNvPr id="2" name="Titel 1">
+            <a:extLst>
+              <a:ext uri="{FF2B5EF4-FFF2-40B4-BE49-F238E27FC236}">
+                <a16:creationId xmlns:a16="http://schemas.microsoft.com/office/drawing/2014/main" id="{AC5402D8-3BC1-4E3A-9E64-D5655B0C22DD}"/>
+              </a:ext>
+            </a:extLst>
+          </p:cNvPr>
+          <p:cNvSpPr>
+            <a:spLocks noGrp="1"/>
+          </p:cNvSpPr>
+          <p:nvPr>
+            <p:ph type="title"/>
+          </p:nvPr>
+        </p:nvSpPr>
+        <p:spPr/>
+        <p:txBody>
+          <a:bodyPr/>
+          <a:lstStyle/>
+          <a:p>
+            <a:r>
+              <a:rPr lang="de-DE" dirty="0" err="1"/>
+              <a:t>DatenSpeicherung</a:t>
+            </a:r>
+            <a:endParaRPr lang="de-AT" dirty="0"/>
+          </a:p>
+        </p:txBody>
+      </p:sp>
+      <p:sp>
+        <p:nvSpPr>
           <p:cNvPr id="6" name="Foliennummernplatzhalter 5">
             <a:extLst>
               <a:ext uri="{FF2B5EF4-FFF2-40B4-BE49-F238E27FC236}">
-                <a16:creationId xmlns:a16="http://schemas.microsoft.com/office/drawing/2014/main" id="{6169F164-A1B9-41CF-992E-01DFE413BA8E}"/>
+                <a16:creationId xmlns:a16="http://schemas.microsoft.com/office/drawing/2014/main" id="{F9487AD0-929E-4E73-AE2A-F73A938496AD}"/>
               </a:ext>
             </a:extLst>
           </p:cNvPr>
@@ -7731,15 +8548,10 @@
             <a:spLocks noGrp="1"/>
           </p:cNvSpPr>
           <p:nvPr>
-            <p:ph type="sldNum" sz="quarter" idx="4294967295"/>
-          </p:nvPr>
-        </p:nvSpPr>
-        <p:spPr>
-          <a:xfrm>
-            <a:off x="8629650" y="6396038"/>
-            <a:ext cx="514350" cy="365125"/>
-          </a:xfrm>
-        </p:spPr>
+            <p:ph type="sldNum" sz="quarter" idx="28"/>
+          </p:nvPr>
+        </p:nvSpPr>
+        <p:spPr/>
         <p:txBody>
           <a:bodyPr/>
           <a:lstStyle/>
@@ -7753,10 +8565,103 @@
           </a:p>
         </p:txBody>
       </p:sp>
+      <p:sp>
+        <p:nvSpPr>
+          <p:cNvPr id="9" name="Inhaltsplatzhalter 8">
+            <a:extLst>
+              <a:ext uri="{FF2B5EF4-FFF2-40B4-BE49-F238E27FC236}">
+                <a16:creationId xmlns:a16="http://schemas.microsoft.com/office/drawing/2014/main" id="{722E9D16-75DD-4323-BE6C-BF7EB48F246F}"/>
+              </a:ext>
+            </a:extLst>
+          </p:cNvPr>
+          <p:cNvSpPr>
+            <a:spLocks noGrp="1"/>
+          </p:cNvSpPr>
+          <p:nvPr>
+            <p:ph idx="1"/>
+          </p:nvPr>
+        </p:nvSpPr>
+        <p:spPr>
+          <a:xfrm>
+            <a:off x="549322" y="1447881"/>
+            <a:ext cx="7925378" cy="4150016"/>
+          </a:xfrm>
+        </p:spPr>
+        <p:txBody>
+          <a:bodyPr/>
+          <a:lstStyle/>
+          <a:p>
+            <a:r>
+              <a:rPr lang="de-AT" dirty="0"/>
+              <a:t>Die Datenbank hat folgende Tabellenstruktur</a:t>
+            </a:r>
+          </a:p>
+        </p:txBody>
+      </p:sp>
+      <p:pic>
+        <p:nvPicPr>
+          <p:cNvPr id="5" name="Grafik 4">
+            <a:extLst>
+              <a:ext uri="{FF2B5EF4-FFF2-40B4-BE49-F238E27FC236}">
+                <a16:creationId xmlns:a16="http://schemas.microsoft.com/office/drawing/2014/main" id="{C50A08BC-A8E4-46C6-9874-BEF9E2B6AB0A}"/>
+              </a:ext>
+            </a:extLst>
+          </p:cNvPr>
+          <p:cNvPicPr>
+            <a:picLocks noChangeAspect="1"/>
+          </p:cNvPicPr>
+          <p:nvPr/>
+        </p:nvPicPr>
+        <p:blipFill>
+          <a:blip r:embed="rId2"/>
+          <a:stretch>
+            <a:fillRect/>
+          </a:stretch>
+        </p:blipFill>
+        <p:spPr>
+          <a:xfrm>
+            <a:off x="2332382" y="2117124"/>
+            <a:ext cx="4053873" cy="1924566"/>
+          </a:xfrm>
+          <a:prstGeom prst="rect">
+            <a:avLst/>
+          </a:prstGeom>
+        </p:spPr>
+      </p:pic>
+      <p:pic>
+        <p:nvPicPr>
+          <p:cNvPr id="7" name="Grafik 6">
+            <a:extLst>
+              <a:ext uri="{FF2B5EF4-FFF2-40B4-BE49-F238E27FC236}">
+                <a16:creationId xmlns:a16="http://schemas.microsoft.com/office/drawing/2014/main" id="{3704A2A0-3B30-4CBF-9E18-BC5C26D5B89B}"/>
+              </a:ext>
+            </a:extLst>
+          </p:cNvPr>
+          <p:cNvPicPr>
+            <a:picLocks noChangeAspect="1"/>
+          </p:cNvPicPr>
+          <p:nvPr/>
+        </p:nvPicPr>
+        <p:blipFill>
+          <a:blip r:embed="rId3"/>
+          <a:stretch>
+            <a:fillRect/>
+          </a:stretch>
+        </p:blipFill>
+        <p:spPr>
+          <a:xfrm>
+            <a:off x="2308943" y="4187825"/>
+            <a:ext cx="4114777" cy="2188176"/>
+          </a:xfrm>
+          <a:prstGeom prst="rect">
+            <a:avLst/>
+          </a:prstGeom>
+        </p:spPr>
+      </p:pic>
     </p:spTree>
     <p:extLst>
       <p:ext uri="{BB962C8B-B14F-4D97-AF65-F5344CB8AC3E}">
-        <p14:creationId xmlns:p14="http://schemas.microsoft.com/office/powerpoint/2010/main" val="1542459990"/>
+        <p14:creationId xmlns:p14="http://schemas.microsoft.com/office/powerpoint/2010/main" val="1959678056"/>
       </p:ext>
     </p:extLst>
   </p:cSld>
